--- a/Laboratory_02/presentation.pptx
+++ b/Laboratory_02/presentation.pptx
@@ -7,7 +7,7 @@
     <p:sldMasterId id="2147483696" r:id="rId3"/>
   </p:sldMasterIdLst>
   <p:notesMasterIdLst>
-    <p:notesMasterId r:id="rId15"/>
+    <p:notesMasterId r:id="rId16"/>
   </p:notesMasterIdLst>
   <p:sldIdLst>
     <p:sldId id="365" r:id="rId4"/>
@@ -21,6 +21,7 @@
     <p:sldId id="366" r:id="rId12"/>
     <p:sldId id="368" r:id="rId13"/>
     <p:sldId id="374" r:id="rId14"/>
+    <p:sldId id="381" r:id="rId15"/>
   </p:sldIdLst>
   <p:sldSz cx="9144000" cy="6858000" type="screen4x3"/>
   <p:notesSz cx="6858000" cy="9144000"/>
@@ -11320,6 +11321,126 @@
 </p:sld>
 </file>
 
+<file path=ppt/slides/slide12.xml><?xml version="1.0" encoding="utf-8"?>
+<p:sld xmlns:a="http://schemas.openxmlformats.org/drawingml/2006/main" xmlns:r="http://schemas.openxmlformats.org/officeDocument/2006/relationships" xmlns:p="http://schemas.openxmlformats.org/presentationml/2006/main">
+  <p:cSld>
+    <p:spTree>
+      <p:nvGrpSpPr>
+        <p:cNvPr id="1" name=""/>
+        <p:cNvGrpSpPr/>
+        <p:nvPr/>
+      </p:nvGrpSpPr>
+      <p:grpSpPr>
+        <a:xfrm>
+          <a:off x="0" y="0"/>
+          <a:ext cx="0" cy="0"/>
+          <a:chOff x="0" y="0"/>
+          <a:chExt cx="0" cy="0"/>
+        </a:xfrm>
+      </p:grpSpPr>
+      <p:sp>
+        <p:nvSpPr>
+          <p:cNvPr id="2" name="Title 1"/>
+          <p:cNvSpPr>
+            <a:spLocks noGrp="1"/>
+          </p:cNvSpPr>
+          <p:nvPr>
+            <p:ph type="title"/>
+          </p:nvPr>
+        </p:nvSpPr>
+        <p:spPr>
+          <a:xfrm>
+            <a:off x="457200" y="76200"/>
+            <a:ext cx="8229600" cy="1143000"/>
+          </a:xfrm>
+        </p:spPr>
+        <p:txBody>
+          <a:bodyPr/>
+          <a:lstStyle/>
+          <a:p>
+            <a:r>
+              <a:rPr lang="en-GB" dirty="0" smtClean="0">
+                <a:latin typeface="American Captain" pitchFamily="50" charset="0"/>
+              </a:rPr>
+              <a:t>References</a:t>
+            </a:r>
+            <a:endParaRPr lang="en-GB" dirty="0">
+              <a:latin typeface="American Captain" pitchFamily="50" charset="0"/>
+            </a:endParaRPr>
+          </a:p>
+        </p:txBody>
+      </p:sp>
+      <p:sp>
+        <p:nvSpPr>
+          <p:cNvPr id="3" name="Content Placeholder 2"/>
+          <p:cNvSpPr>
+            <a:spLocks noGrp="1"/>
+          </p:cNvSpPr>
+          <p:nvPr>
+            <p:ph idx="1"/>
+          </p:nvPr>
+        </p:nvSpPr>
+        <p:spPr/>
+        <p:txBody>
+          <a:bodyPr/>
+          <a:lstStyle/>
+          <a:p>
+            <a:r>
+              <a:rPr lang="en-GB" dirty="0" smtClean="0"/>
+              <a:t>JavaScript: Your new Overlords -  </a:t>
+            </a:r>
+            <a:r>
+              <a:rPr lang="en-GB" dirty="0" smtClean="0">
+                <a:hlinkClick r:id="rId2"/>
+              </a:rPr>
+              <a:t>http</a:t>
+            </a:r>
+            <a:r>
+              <a:rPr lang="en-GB" dirty="0" smtClean="0">
+                <a:hlinkClick r:id="rId2"/>
+              </a:rPr>
+              <a:t>://</a:t>
+            </a:r>
+            <a:r>
+              <a:rPr lang="en-GB" dirty="0" smtClean="0">
+                <a:hlinkClick r:id="rId2"/>
+              </a:rPr>
+              <a:t>www.youtube.com/watch?v=Trurfqh_6fQ</a:t>
+            </a:r>
+            <a:endParaRPr lang="en-GB" dirty="0" smtClean="0"/>
+          </a:p>
+          <a:p>
+            <a:r>
+              <a:rPr lang="en-GB" dirty="0" smtClean="0">
+                <a:hlinkClick r:id="rId3"/>
+              </a:rPr>
+              <a:t>http://</a:t>
+            </a:r>
+            <a:r>
+              <a:rPr lang="en-GB" dirty="0" smtClean="0">
+                <a:hlinkClick r:id="rId3"/>
+              </a:rPr>
+              <a:t>www.vogella.com/tutorials/JUnit/article.html</a:t>
+            </a:r>
+            <a:endParaRPr lang="en-GB" dirty="0" smtClean="0"/>
+          </a:p>
+          <a:p>
+            <a:r>
+              <a:rPr lang="en-GB" dirty="0" smtClean="0"/>
+              <a:t>http://junit.org/</a:t>
+            </a:r>
+            <a:endParaRPr lang="en-GB" dirty="0"/>
+          </a:p>
+        </p:txBody>
+      </p:sp>
+    </p:spTree>
+  </p:cSld>
+  <p:clrMapOvr>
+    <a:masterClrMapping/>
+  </p:clrMapOvr>
+</p:sld>
+</file>
+
 <file path=ppt/slides/slide2.xml><?xml version="1.0" encoding="utf-8"?>
 <p:sld xmlns:a="http://schemas.openxmlformats.org/drawingml/2006/main" xmlns:r="http://schemas.openxmlformats.org/officeDocument/2006/relationships" xmlns:p="http://schemas.openxmlformats.org/presentationml/2006/main">
   <p:cSld>
@@ -11414,7 +11535,7 @@
               <a:rPr lang="en-GB" sz="2400" dirty="0" smtClean="0">
                 <a:latin typeface="Lucida Sans" pitchFamily="34" charset="0"/>
               </a:rPr>
-              <a:t>Unit testing</a:t>
+              <a:t>Unit Testing</a:t>
             </a:r>
           </a:p>
           <a:p>
@@ -11696,7 +11817,7 @@
           <a:p>
             <a:r>
               <a:rPr lang="en-GB" dirty="0" smtClean="0"/>
-              <a:t>Unit testing with </a:t>
+              <a:t>Unit Testing with </a:t>
             </a:r>
             <a:r>
               <a:rPr lang="en-GB" dirty="0" err="1" smtClean="0"/>
